--- a/powerpoint/Session2.pptx
+++ b/powerpoint/Session2.pptx
@@ -128,6 +128,11 @@
       </a:defRPr>
     </a:lvl9pPr>
   </p:defaultTextStyle>
+  <p:extLst>
+    <p:ext uri="{EFAFB233-063F-42B5-8137-9DF3F51BA10A}">
+      <p15:sldGuideLst xmlns:p15="http://schemas.microsoft.com/office/powerpoint/2012/main"/>
+    </p:ext>
+  </p:extLst>
 </p:presentation>
 </file>
 
@@ -17113,7 +17118,7 @@
                 <a:latin typeface="Calibri"/>
                 <a:ea typeface="DejaVu Sans"/>
               </a:rPr>
-              <a:t>(registration open 2</a:t>
+              <a:t>(Starts 18</a:t>
             </a:r>
             <a:r>
               <a:rPr lang="en-GB" sz="2180" b="1" spc="-1" baseline="30000" dirty="0">
@@ -17123,7 +17128,7 @@
                 <a:latin typeface="Calibri"/>
                 <a:ea typeface="DejaVu Sans"/>
               </a:rPr>
-              <a:t>nd</a:t>
+              <a:t>th</a:t>
             </a:r>
             <a:r>
               <a:rPr lang="en-GB" sz="2180" b="1" spc="-1" dirty="0">
@@ -17133,7 +17138,7 @@
                 <a:latin typeface="Calibri"/>
                 <a:ea typeface="DejaVu Sans"/>
               </a:rPr>
-              <a:t> Feb)</a:t>
+              <a:t> May)</a:t>
             </a:r>
             <a:endParaRPr lang="en-GB" sz="2180" b="0" strike="noStrike" spc="-1" dirty="0">
               <a:latin typeface="Arial"/>
